--- a/Modulo 4 - DotNet/2801 - Modulo 4 - DotNet.pptx
+++ b/Modulo 4 - DotNet/2801 - Modulo 4 - DotNet.pptx
@@ -152,153 +152,6 @@
 <pc:chgInfo xmlns:a="http://schemas.openxmlformats.org/drawingml/2006/main" xmlns:r="http://schemas.openxmlformats.org/officeDocument/2006/relationships" xmlns:ac="http://schemas.microsoft.com/office/drawing/2013/main/command" xmlns:pc="http://schemas.microsoft.com/office/powerpoint/2013/main/command">
   <pc:docChgLst>
     <pc:chgData name="André Baltieri" userId="d56cfdb1-1911-441a-9a39-6bdee9a14174" providerId="ADAL" clId="{7616295F-C102-4602-926F-43050E3F6FC6}"/>
-  </pc:docChgLst>
-  <pc:docChgLst>
-    <pc:chgData name="André Baltieri" userId="d56cfdb1-1911-441a-9a39-6bdee9a14174" providerId="ADAL" clId="{F862B1B0-0A5B-4EBB-901B-B42C6F34939F}"/>
-    <pc:docChg chg="undo custSel delSld modSld">
-      <pc:chgData name="André Baltieri" userId="d56cfdb1-1911-441a-9a39-6bdee9a14174" providerId="ADAL" clId="{F862B1B0-0A5B-4EBB-901B-B42C6F34939F}" dt="2020-04-23T23:11:59.236" v="386" actId="47"/>
-      <pc:docMkLst>
-        <pc:docMk/>
-      </pc:docMkLst>
-      <pc:sldChg chg="modSp mod">
-        <pc:chgData name="André Baltieri" userId="d56cfdb1-1911-441a-9a39-6bdee9a14174" providerId="ADAL" clId="{F862B1B0-0A5B-4EBB-901B-B42C6F34939F}" dt="2020-04-23T14:55:06.146" v="297" actId="20577"/>
-        <pc:sldMkLst>
-          <pc:docMk/>
-          <pc:sldMk cId="797744895" sldId="265"/>
-        </pc:sldMkLst>
-        <pc:spChg chg="mod">
-          <ac:chgData name="André Baltieri" userId="d56cfdb1-1911-441a-9a39-6bdee9a14174" providerId="ADAL" clId="{F862B1B0-0A5B-4EBB-901B-B42C6F34939F}" dt="2020-04-23T14:55:06.146" v="297" actId="20577"/>
-          <ac:spMkLst>
-            <pc:docMk/>
-            <pc:sldMk cId="797744895" sldId="265"/>
-            <ac:spMk id="7" creationId="{F156BB03-8A3B-4693-854F-02F1C8040212}"/>
-          </ac:spMkLst>
-        </pc:spChg>
-      </pc:sldChg>
-      <pc:sldChg chg="modSp">
-        <pc:chgData name="André Baltieri" userId="d56cfdb1-1911-441a-9a39-6bdee9a14174" providerId="ADAL" clId="{F862B1B0-0A5B-4EBB-901B-B42C6F34939F}" dt="2020-04-23T14:53:33.797" v="272" actId="20577"/>
-        <pc:sldMkLst>
-          <pc:docMk/>
-          <pc:sldMk cId="3214383598" sldId="270"/>
-        </pc:sldMkLst>
-        <pc:spChg chg="mod">
-          <ac:chgData name="André Baltieri" userId="d56cfdb1-1911-441a-9a39-6bdee9a14174" providerId="ADAL" clId="{F862B1B0-0A5B-4EBB-901B-B42C6F34939F}" dt="2020-04-23T14:53:33.797" v="272" actId="20577"/>
-          <ac:spMkLst>
-            <pc:docMk/>
-            <pc:sldMk cId="3214383598" sldId="270"/>
-            <ac:spMk id="6" creationId="{EC993F68-2ABC-472C-9DAA-F49885B6553A}"/>
-          </ac:spMkLst>
-        </pc:spChg>
-      </pc:sldChg>
-      <pc:sldChg chg="modSp">
-        <pc:chgData name="André Baltieri" userId="d56cfdb1-1911-441a-9a39-6bdee9a14174" providerId="ADAL" clId="{F862B1B0-0A5B-4EBB-901B-B42C6F34939F}" dt="2020-04-23T14:53:17.952" v="256" actId="20577"/>
-        <pc:sldMkLst>
-          <pc:docMk/>
-          <pc:sldMk cId="3061177710" sldId="328"/>
-        </pc:sldMkLst>
-        <pc:spChg chg="mod">
-          <ac:chgData name="André Baltieri" userId="d56cfdb1-1911-441a-9a39-6bdee9a14174" providerId="ADAL" clId="{F862B1B0-0A5B-4EBB-901B-B42C6F34939F}" dt="2020-04-23T14:53:17.952" v="256" actId="20577"/>
-          <ac:spMkLst>
-            <pc:docMk/>
-            <pc:sldMk cId="3061177710" sldId="328"/>
-            <ac:spMk id="6" creationId="{AD1A4932-B317-47BD-B405-DBB6794776A1}"/>
-          </ac:spMkLst>
-        </pc:spChg>
-      </pc:sldChg>
-      <pc:sldChg chg="modSp mod">
-        <pc:chgData name="André Baltieri" userId="d56cfdb1-1911-441a-9a39-6bdee9a14174" providerId="ADAL" clId="{F862B1B0-0A5B-4EBB-901B-B42C6F34939F}" dt="2020-04-23T23:11:56.977" v="385" actId="20577"/>
-        <pc:sldMkLst>
-          <pc:docMk/>
-          <pc:sldMk cId="4194842359" sldId="356"/>
-        </pc:sldMkLst>
-        <pc:spChg chg="mod">
-          <ac:chgData name="André Baltieri" userId="d56cfdb1-1911-441a-9a39-6bdee9a14174" providerId="ADAL" clId="{F862B1B0-0A5B-4EBB-901B-B42C6F34939F}" dt="2020-04-23T14:56:31.220" v="366" actId="6549"/>
-          <ac:spMkLst>
-            <pc:docMk/>
-            <pc:sldMk cId="4194842359" sldId="356"/>
-            <ac:spMk id="11" creationId="{9BD1D92D-1C8D-47E8-B365-6D2F5C529555}"/>
-          </ac:spMkLst>
-        </pc:spChg>
-        <pc:spChg chg="mod">
-          <ac:chgData name="André Baltieri" userId="d56cfdb1-1911-441a-9a39-6bdee9a14174" providerId="ADAL" clId="{F862B1B0-0A5B-4EBB-901B-B42C6F34939F}" dt="2020-04-23T23:11:56.977" v="385" actId="20577"/>
-          <ac:spMkLst>
-            <pc:docMk/>
-            <pc:sldMk cId="4194842359" sldId="356"/>
-            <ac:spMk id="13" creationId="{94E1A0D2-D048-46FE-90D3-722FBF740CC7}"/>
-          </ac:spMkLst>
-        </pc:spChg>
-      </pc:sldChg>
-      <pc:sldChg chg="del">
-        <pc:chgData name="André Baltieri" userId="d56cfdb1-1911-441a-9a39-6bdee9a14174" providerId="ADAL" clId="{F862B1B0-0A5B-4EBB-901B-B42C6F34939F}" dt="2020-04-23T23:11:59.236" v="386" actId="47"/>
-        <pc:sldMkLst>
-          <pc:docMk/>
-          <pc:sldMk cId="2462136602" sldId="373"/>
-        </pc:sldMkLst>
-      </pc:sldChg>
-      <pc:sldChg chg="del">
-        <pc:chgData name="André Baltieri" userId="d56cfdb1-1911-441a-9a39-6bdee9a14174" providerId="ADAL" clId="{F862B1B0-0A5B-4EBB-901B-B42C6F34939F}" dt="2020-04-23T14:54:41.199" v="273" actId="47"/>
-        <pc:sldMkLst>
-          <pc:docMk/>
-          <pc:sldMk cId="2898088412" sldId="374"/>
-        </pc:sldMkLst>
-      </pc:sldChg>
-      <pc:sldChg chg="del">
-        <pc:chgData name="André Baltieri" userId="d56cfdb1-1911-441a-9a39-6bdee9a14174" providerId="ADAL" clId="{F862B1B0-0A5B-4EBB-901B-B42C6F34939F}" dt="2020-04-23T14:54:51.178" v="274" actId="47"/>
-        <pc:sldMkLst>
-          <pc:docMk/>
-          <pc:sldMk cId="24062572" sldId="375"/>
-        </pc:sldMkLst>
-      </pc:sldChg>
-      <pc:sldChg chg="del">
-        <pc:chgData name="André Baltieri" userId="d56cfdb1-1911-441a-9a39-6bdee9a14174" providerId="ADAL" clId="{F862B1B0-0A5B-4EBB-901B-B42C6F34939F}" dt="2020-04-23T14:54:51.178" v="274" actId="47"/>
-        <pc:sldMkLst>
-          <pc:docMk/>
-          <pc:sldMk cId="516018739" sldId="376"/>
-        </pc:sldMkLst>
-      </pc:sldChg>
-      <pc:sldChg chg="del">
-        <pc:chgData name="André Baltieri" userId="d56cfdb1-1911-441a-9a39-6bdee9a14174" providerId="ADAL" clId="{F862B1B0-0A5B-4EBB-901B-B42C6F34939F}" dt="2020-04-23T14:54:51.178" v="274" actId="47"/>
-        <pc:sldMkLst>
-          <pc:docMk/>
-          <pc:sldMk cId="3435911299" sldId="377"/>
-        </pc:sldMkLst>
-      </pc:sldChg>
-      <pc:sldChg chg="del">
-        <pc:chgData name="André Baltieri" userId="d56cfdb1-1911-441a-9a39-6bdee9a14174" providerId="ADAL" clId="{F862B1B0-0A5B-4EBB-901B-B42C6F34939F}" dt="2020-04-23T14:54:51.178" v="274" actId="47"/>
-        <pc:sldMkLst>
-          <pc:docMk/>
-          <pc:sldMk cId="1046722348" sldId="378"/>
-        </pc:sldMkLst>
-      </pc:sldChg>
-      <pc:sldChg chg="del">
-        <pc:chgData name="André Baltieri" userId="d56cfdb1-1911-441a-9a39-6bdee9a14174" providerId="ADAL" clId="{F862B1B0-0A5B-4EBB-901B-B42C6F34939F}" dt="2020-04-23T14:54:51.178" v="274" actId="47"/>
-        <pc:sldMkLst>
-          <pc:docMk/>
-          <pc:sldMk cId="1630294748" sldId="379"/>
-        </pc:sldMkLst>
-      </pc:sldChg>
-      <pc:sldChg chg="del">
-        <pc:chgData name="André Baltieri" userId="d56cfdb1-1911-441a-9a39-6bdee9a14174" providerId="ADAL" clId="{F862B1B0-0A5B-4EBB-901B-B42C6F34939F}" dt="2020-04-23T14:54:51.178" v="274" actId="47"/>
-        <pc:sldMkLst>
-          <pc:docMk/>
-          <pc:sldMk cId="851583534" sldId="380"/>
-        </pc:sldMkLst>
-      </pc:sldChg>
-      <pc:sldChg chg="del">
-        <pc:chgData name="André Baltieri" userId="d56cfdb1-1911-441a-9a39-6bdee9a14174" providerId="ADAL" clId="{F862B1B0-0A5B-4EBB-901B-B42C6F34939F}" dt="2020-04-23T14:54:51.178" v="274" actId="47"/>
-        <pc:sldMkLst>
-          <pc:docMk/>
-          <pc:sldMk cId="574756244" sldId="381"/>
-        </pc:sldMkLst>
-      </pc:sldChg>
-      <pc:sldChg chg="del">
-        <pc:chgData name="André Baltieri" userId="d56cfdb1-1911-441a-9a39-6bdee9a14174" providerId="ADAL" clId="{F862B1B0-0A5B-4EBB-901B-B42C6F34939F}" dt="2020-04-23T14:54:51.178" v="274" actId="47"/>
-        <pc:sldMkLst>
-          <pc:docMk/>
-          <pc:sldMk cId="3602528316" sldId="382"/>
-        </pc:sldMkLst>
-      </pc:sldChg>
-    </pc:docChg>
   </pc:docChgLst>
   <pc:docChgLst>
     <pc:chgData name="André Baltieri" userId="d56cfdb1-1911-441a-9a39-6bdee9a14174" providerId="ADAL" clId="{BF6FAB36-6E1F-4273-ADA4-4900BDE8A884}"/>
@@ -650,6 +503,153 @@
             <ac:spMk id="13" creationId="{94E1A0D2-D048-46FE-90D3-722FBF740CC7}"/>
           </ac:spMkLst>
         </pc:spChg>
+      </pc:sldChg>
+    </pc:docChg>
+  </pc:docChgLst>
+  <pc:docChgLst>
+    <pc:chgData name="André Baltieri" userId="d56cfdb1-1911-441a-9a39-6bdee9a14174" providerId="ADAL" clId="{F862B1B0-0A5B-4EBB-901B-B42C6F34939F}"/>
+    <pc:docChg chg="undo custSel delSld modSld">
+      <pc:chgData name="André Baltieri" userId="d56cfdb1-1911-441a-9a39-6bdee9a14174" providerId="ADAL" clId="{F862B1B0-0A5B-4EBB-901B-B42C6F34939F}" dt="2020-04-23T23:11:59.236" v="386" actId="47"/>
+      <pc:docMkLst>
+        <pc:docMk/>
+      </pc:docMkLst>
+      <pc:sldChg chg="modSp mod">
+        <pc:chgData name="André Baltieri" userId="d56cfdb1-1911-441a-9a39-6bdee9a14174" providerId="ADAL" clId="{F862B1B0-0A5B-4EBB-901B-B42C6F34939F}" dt="2020-04-23T14:55:06.146" v="297" actId="20577"/>
+        <pc:sldMkLst>
+          <pc:docMk/>
+          <pc:sldMk cId="797744895" sldId="265"/>
+        </pc:sldMkLst>
+        <pc:spChg chg="mod">
+          <ac:chgData name="André Baltieri" userId="d56cfdb1-1911-441a-9a39-6bdee9a14174" providerId="ADAL" clId="{F862B1B0-0A5B-4EBB-901B-B42C6F34939F}" dt="2020-04-23T14:55:06.146" v="297" actId="20577"/>
+          <ac:spMkLst>
+            <pc:docMk/>
+            <pc:sldMk cId="797744895" sldId="265"/>
+            <ac:spMk id="7" creationId="{F156BB03-8A3B-4693-854F-02F1C8040212}"/>
+          </ac:spMkLst>
+        </pc:spChg>
+      </pc:sldChg>
+      <pc:sldChg chg="modSp">
+        <pc:chgData name="André Baltieri" userId="d56cfdb1-1911-441a-9a39-6bdee9a14174" providerId="ADAL" clId="{F862B1B0-0A5B-4EBB-901B-B42C6F34939F}" dt="2020-04-23T14:53:33.797" v="272" actId="20577"/>
+        <pc:sldMkLst>
+          <pc:docMk/>
+          <pc:sldMk cId="3214383598" sldId="270"/>
+        </pc:sldMkLst>
+        <pc:spChg chg="mod">
+          <ac:chgData name="André Baltieri" userId="d56cfdb1-1911-441a-9a39-6bdee9a14174" providerId="ADAL" clId="{F862B1B0-0A5B-4EBB-901B-B42C6F34939F}" dt="2020-04-23T14:53:33.797" v="272" actId="20577"/>
+          <ac:spMkLst>
+            <pc:docMk/>
+            <pc:sldMk cId="3214383598" sldId="270"/>
+            <ac:spMk id="6" creationId="{EC993F68-2ABC-472C-9DAA-F49885B6553A}"/>
+          </ac:spMkLst>
+        </pc:spChg>
+      </pc:sldChg>
+      <pc:sldChg chg="modSp">
+        <pc:chgData name="André Baltieri" userId="d56cfdb1-1911-441a-9a39-6bdee9a14174" providerId="ADAL" clId="{F862B1B0-0A5B-4EBB-901B-B42C6F34939F}" dt="2020-04-23T14:53:17.952" v="256" actId="20577"/>
+        <pc:sldMkLst>
+          <pc:docMk/>
+          <pc:sldMk cId="3061177710" sldId="328"/>
+        </pc:sldMkLst>
+        <pc:spChg chg="mod">
+          <ac:chgData name="André Baltieri" userId="d56cfdb1-1911-441a-9a39-6bdee9a14174" providerId="ADAL" clId="{F862B1B0-0A5B-4EBB-901B-B42C6F34939F}" dt="2020-04-23T14:53:17.952" v="256" actId="20577"/>
+          <ac:spMkLst>
+            <pc:docMk/>
+            <pc:sldMk cId="3061177710" sldId="328"/>
+            <ac:spMk id="6" creationId="{AD1A4932-B317-47BD-B405-DBB6794776A1}"/>
+          </ac:spMkLst>
+        </pc:spChg>
+      </pc:sldChg>
+      <pc:sldChg chg="modSp mod">
+        <pc:chgData name="André Baltieri" userId="d56cfdb1-1911-441a-9a39-6bdee9a14174" providerId="ADAL" clId="{F862B1B0-0A5B-4EBB-901B-B42C6F34939F}" dt="2020-04-23T23:11:56.977" v="385" actId="20577"/>
+        <pc:sldMkLst>
+          <pc:docMk/>
+          <pc:sldMk cId="4194842359" sldId="356"/>
+        </pc:sldMkLst>
+        <pc:spChg chg="mod">
+          <ac:chgData name="André Baltieri" userId="d56cfdb1-1911-441a-9a39-6bdee9a14174" providerId="ADAL" clId="{F862B1B0-0A5B-4EBB-901B-B42C6F34939F}" dt="2020-04-23T14:56:31.220" v="366" actId="6549"/>
+          <ac:spMkLst>
+            <pc:docMk/>
+            <pc:sldMk cId="4194842359" sldId="356"/>
+            <ac:spMk id="11" creationId="{9BD1D92D-1C8D-47E8-B365-6D2F5C529555}"/>
+          </ac:spMkLst>
+        </pc:spChg>
+        <pc:spChg chg="mod">
+          <ac:chgData name="André Baltieri" userId="d56cfdb1-1911-441a-9a39-6bdee9a14174" providerId="ADAL" clId="{F862B1B0-0A5B-4EBB-901B-B42C6F34939F}" dt="2020-04-23T23:11:56.977" v="385" actId="20577"/>
+          <ac:spMkLst>
+            <pc:docMk/>
+            <pc:sldMk cId="4194842359" sldId="356"/>
+            <ac:spMk id="13" creationId="{94E1A0D2-D048-46FE-90D3-722FBF740CC7}"/>
+          </ac:spMkLst>
+        </pc:spChg>
+      </pc:sldChg>
+      <pc:sldChg chg="del">
+        <pc:chgData name="André Baltieri" userId="d56cfdb1-1911-441a-9a39-6bdee9a14174" providerId="ADAL" clId="{F862B1B0-0A5B-4EBB-901B-B42C6F34939F}" dt="2020-04-23T23:11:59.236" v="386" actId="47"/>
+        <pc:sldMkLst>
+          <pc:docMk/>
+          <pc:sldMk cId="2462136602" sldId="373"/>
+        </pc:sldMkLst>
+      </pc:sldChg>
+      <pc:sldChg chg="del">
+        <pc:chgData name="André Baltieri" userId="d56cfdb1-1911-441a-9a39-6bdee9a14174" providerId="ADAL" clId="{F862B1B0-0A5B-4EBB-901B-B42C6F34939F}" dt="2020-04-23T14:54:41.199" v="273" actId="47"/>
+        <pc:sldMkLst>
+          <pc:docMk/>
+          <pc:sldMk cId="2898088412" sldId="374"/>
+        </pc:sldMkLst>
+      </pc:sldChg>
+      <pc:sldChg chg="del">
+        <pc:chgData name="André Baltieri" userId="d56cfdb1-1911-441a-9a39-6bdee9a14174" providerId="ADAL" clId="{F862B1B0-0A5B-4EBB-901B-B42C6F34939F}" dt="2020-04-23T14:54:51.178" v="274" actId="47"/>
+        <pc:sldMkLst>
+          <pc:docMk/>
+          <pc:sldMk cId="24062572" sldId="375"/>
+        </pc:sldMkLst>
+      </pc:sldChg>
+      <pc:sldChg chg="del">
+        <pc:chgData name="André Baltieri" userId="d56cfdb1-1911-441a-9a39-6bdee9a14174" providerId="ADAL" clId="{F862B1B0-0A5B-4EBB-901B-B42C6F34939F}" dt="2020-04-23T14:54:51.178" v="274" actId="47"/>
+        <pc:sldMkLst>
+          <pc:docMk/>
+          <pc:sldMk cId="516018739" sldId="376"/>
+        </pc:sldMkLst>
+      </pc:sldChg>
+      <pc:sldChg chg="del">
+        <pc:chgData name="André Baltieri" userId="d56cfdb1-1911-441a-9a39-6bdee9a14174" providerId="ADAL" clId="{F862B1B0-0A5B-4EBB-901B-B42C6F34939F}" dt="2020-04-23T14:54:51.178" v="274" actId="47"/>
+        <pc:sldMkLst>
+          <pc:docMk/>
+          <pc:sldMk cId="3435911299" sldId="377"/>
+        </pc:sldMkLst>
+      </pc:sldChg>
+      <pc:sldChg chg="del">
+        <pc:chgData name="André Baltieri" userId="d56cfdb1-1911-441a-9a39-6bdee9a14174" providerId="ADAL" clId="{F862B1B0-0A5B-4EBB-901B-B42C6F34939F}" dt="2020-04-23T14:54:51.178" v="274" actId="47"/>
+        <pc:sldMkLst>
+          <pc:docMk/>
+          <pc:sldMk cId="1046722348" sldId="378"/>
+        </pc:sldMkLst>
+      </pc:sldChg>
+      <pc:sldChg chg="del">
+        <pc:chgData name="André Baltieri" userId="d56cfdb1-1911-441a-9a39-6bdee9a14174" providerId="ADAL" clId="{F862B1B0-0A5B-4EBB-901B-B42C6F34939F}" dt="2020-04-23T14:54:51.178" v="274" actId="47"/>
+        <pc:sldMkLst>
+          <pc:docMk/>
+          <pc:sldMk cId="1630294748" sldId="379"/>
+        </pc:sldMkLst>
+      </pc:sldChg>
+      <pc:sldChg chg="del">
+        <pc:chgData name="André Baltieri" userId="d56cfdb1-1911-441a-9a39-6bdee9a14174" providerId="ADAL" clId="{F862B1B0-0A5B-4EBB-901B-B42C6F34939F}" dt="2020-04-23T14:54:51.178" v="274" actId="47"/>
+        <pc:sldMkLst>
+          <pc:docMk/>
+          <pc:sldMk cId="851583534" sldId="380"/>
+        </pc:sldMkLst>
+      </pc:sldChg>
+      <pc:sldChg chg="del">
+        <pc:chgData name="André Baltieri" userId="d56cfdb1-1911-441a-9a39-6bdee9a14174" providerId="ADAL" clId="{F862B1B0-0A5B-4EBB-901B-B42C6F34939F}" dt="2020-04-23T14:54:51.178" v="274" actId="47"/>
+        <pc:sldMkLst>
+          <pc:docMk/>
+          <pc:sldMk cId="574756244" sldId="381"/>
+        </pc:sldMkLst>
+      </pc:sldChg>
+      <pc:sldChg chg="del">
+        <pc:chgData name="André Baltieri" userId="d56cfdb1-1911-441a-9a39-6bdee9a14174" providerId="ADAL" clId="{F862B1B0-0A5B-4EBB-901B-B42C6F34939F}" dt="2020-04-23T14:54:51.178" v="274" actId="47"/>
+        <pc:sldMkLst>
+          <pc:docMk/>
+          <pc:sldMk cId="3602528316" sldId="382"/>
+        </pc:sldMkLst>
       </pc:sldChg>
     </pc:docChg>
   </pc:docChgLst>
@@ -1754,7 +1754,7 @@
           <a:p>
             <a:fld id="{2232590A-2ECD-4930-A16F-BAB4FCA317C7}" type="datetimeFigureOut">
               <a:rPr lang="pt-BR" smtClean="0"/>
-              <a:t>12/05/2020</a:t>
+              <a:t>03/06/2020</a:t>
             </a:fld>
             <a:endParaRPr lang="pt-BR"/>
           </a:p>
@@ -2864,7 +2864,7 @@
           <a:p>
             <a:fld id="{358D75C1-F3B0-4D81-A190-EFDBB1D1AFEE}" type="datetimeFigureOut">
               <a:rPr lang="pt-BR" smtClean="0"/>
-              <a:t>12/05/2020</a:t>
+              <a:t>03/06/2020</a:t>
             </a:fld>
             <a:endParaRPr lang="pt-BR"/>
           </a:p>
@@ -3062,7 +3062,7 @@
           <a:p>
             <a:fld id="{358D75C1-F3B0-4D81-A190-EFDBB1D1AFEE}" type="datetimeFigureOut">
               <a:rPr lang="pt-BR" smtClean="0"/>
-              <a:t>12/05/2020</a:t>
+              <a:t>03/06/2020</a:t>
             </a:fld>
             <a:endParaRPr lang="pt-BR"/>
           </a:p>
@@ -3270,7 +3270,7 @@
           <a:p>
             <a:fld id="{358D75C1-F3B0-4D81-A190-EFDBB1D1AFEE}" type="datetimeFigureOut">
               <a:rPr lang="pt-BR" smtClean="0"/>
-              <a:t>12/05/2020</a:t>
+              <a:t>03/06/2020</a:t>
             </a:fld>
             <a:endParaRPr lang="pt-BR"/>
           </a:p>
@@ -3468,7 +3468,7 @@
           <a:p>
             <a:fld id="{358D75C1-F3B0-4D81-A190-EFDBB1D1AFEE}" type="datetimeFigureOut">
               <a:rPr lang="pt-BR" smtClean="0"/>
-              <a:t>12/05/2020</a:t>
+              <a:t>03/06/2020</a:t>
             </a:fld>
             <a:endParaRPr lang="pt-BR"/>
           </a:p>
@@ -3743,7 +3743,7 @@
           <a:p>
             <a:fld id="{358D75C1-F3B0-4D81-A190-EFDBB1D1AFEE}" type="datetimeFigureOut">
               <a:rPr lang="pt-BR" smtClean="0"/>
-              <a:t>12/05/2020</a:t>
+              <a:t>03/06/2020</a:t>
             </a:fld>
             <a:endParaRPr lang="pt-BR"/>
           </a:p>
@@ -4008,7 +4008,7 @@
           <a:p>
             <a:fld id="{358D75C1-F3B0-4D81-A190-EFDBB1D1AFEE}" type="datetimeFigureOut">
               <a:rPr lang="pt-BR" smtClean="0"/>
-              <a:t>12/05/2020</a:t>
+              <a:t>03/06/2020</a:t>
             </a:fld>
             <a:endParaRPr lang="pt-BR"/>
           </a:p>
@@ -4420,7 +4420,7 @@
           <a:p>
             <a:fld id="{358D75C1-F3B0-4D81-A190-EFDBB1D1AFEE}" type="datetimeFigureOut">
               <a:rPr lang="pt-BR" smtClean="0"/>
-              <a:t>12/05/2020</a:t>
+              <a:t>03/06/2020</a:t>
             </a:fld>
             <a:endParaRPr lang="pt-BR"/>
           </a:p>
@@ -4561,7 +4561,7 @@
           <a:p>
             <a:fld id="{358D75C1-F3B0-4D81-A190-EFDBB1D1AFEE}" type="datetimeFigureOut">
               <a:rPr lang="pt-BR" smtClean="0"/>
-              <a:t>12/05/2020</a:t>
+              <a:t>03/06/2020</a:t>
             </a:fld>
             <a:endParaRPr lang="pt-BR"/>
           </a:p>
@@ -4674,7 +4674,7 @@
           <a:p>
             <a:fld id="{358D75C1-F3B0-4D81-A190-EFDBB1D1AFEE}" type="datetimeFigureOut">
               <a:rPr lang="pt-BR" smtClean="0"/>
-              <a:t>12/05/2020</a:t>
+              <a:t>03/06/2020</a:t>
             </a:fld>
             <a:endParaRPr lang="pt-BR"/>
           </a:p>
@@ -4985,7 +4985,7 @@
           <a:p>
             <a:fld id="{358D75C1-F3B0-4D81-A190-EFDBB1D1AFEE}" type="datetimeFigureOut">
               <a:rPr lang="pt-BR" smtClean="0"/>
-              <a:t>12/05/2020</a:t>
+              <a:t>03/06/2020</a:t>
             </a:fld>
             <a:endParaRPr lang="pt-BR"/>
           </a:p>
@@ -5273,7 +5273,7 @@
           <a:p>
             <a:fld id="{358D75C1-F3B0-4D81-A190-EFDBB1D1AFEE}" type="datetimeFigureOut">
               <a:rPr lang="pt-BR" smtClean="0"/>
-              <a:t>12/05/2020</a:t>
+              <a:t>03/06/2020</a:t>
             </a:fld>
             <a:endParaRPr lang="pt-BR"/>
           </a:p>
@@ -5514,7 +5514,7 @@
           <a:p>
             <a:fld id="{358D75C1-F3B0-4D81-A190-EFDBB1D1AFEE}" type="datetimeFigureOut">
               <a:rPr lang="pt-BR" smtClean="0"/>
-              <a:t>12/05/2020</a:t>
+              <a:t>03/06/2020</a:t>
             </a:fld>
             <a:endParaRPr lang="pt-BR"/>
           </a:p>
